--- a/imgs/functions.pptx
+++ b/imgs/functions.pptx
@@ -247,7 +247,7 @@
           <a:p>
             <a:fld id="{63A1C593-65D0-4073-BCC9-577B9352EA97}" type="datetimeFigureOut">
               <a:rPr lang="en-US" smtClean="0"/>
-              <a:t>5/5/2023</a:t>
+              <a:t>5/10/2023</a:t>
             </a:fld>
             <a:endParaRPr lang="en-US"/>
           </a:p>
@@ -415,7 +415,7 @@
           <a:p>
             <a:fld id="{63A1C593-65D0-4073-BCC9-577B9352EA97}" type="datetimeFigureOut">
               <a:rPr lang="en-US" smtClean="0"/>
-              <a:t>5/5/2023</a:t>
+              <a:t>5/10/2023</a:t>
             </a:fld>
             <a:endParaRPr lang="en-US"/>
           </a:p>
@@ -593,7 +593,7 @@
           <a:p>
             <a:fld id="{63A1C593-65D0-4073-BCC9-577B9352EA97}" type="datetimeFigureOut">
               <a:rPr lang="en-US" smtClean="0"/>
-              <a:t>5/5/2023</a:t>
+              <a:t>5/10/2023</a:t>
             </a:fld>
             <a:endParaRPr lang="en-US"/>
           </a:p>
@@ -761,7 +761,7 @@
           <a:p>
             <a:fld id="{63A1C593-65D0-4073-BCC9-577B9352EA97}" type="datetimeFigureOut">
               <a:rPr lang="en-US" smtClean="0"/>
-              <a:t>5/5/2023</a:t>
+              <a:t>5/10/2023</a:t>
             </a:fld>
             <a:endParaRPr lang="en-US"/>
           </a:p>
@@ -1006,7 +1006,7 @@
           <a:p>
             <a:fld id="{63A1C593-65D0-4073-BCC9-577B9352EA97}" type="datetimeFigureOut">
               <a:rPr lang="en-US" smtClean="0"/>
-              <a:t>5/5/2023</a:t>
+              <a:t>5/10/2023</a:t>
             </a:fld>
             <a:endParaRPr lang="en-US"/>
           </a:p>
@@ -1235,7 +1235,7 @@
           <a:p>
             <a:fld id="{63A1C593-65D0-4073-BCC9-577B9352EA97}" type="datetimeFigureOut">
               <a:rPr lang="en-US" smtClean="0"/>
-              <a:t>5/5/2023</a:t>
+              <a:t>5/10/2023</a:t>
             </a:fld>
             <a:endParaRPr lang="en-US"/>
           </a:p>
@@ -1599,7 +1599,7 @@
           <a:p>
             <a:fld id="{63A1C593-65D0-4073-BCC9-577B9352EA97}" type="datetimeFigureOut">
               <a:rPr lang="en-US" smtClean="0"/>
-              <a:t>5/5/2023</a:t>
+              <a:t>5/10/2023</a:t>
             </a:fld>
             <a:endParaRPr lang="en-US"/>
           </a:p>
@@ -1716,7 +1716,7 @@
           <a:p>
             <a:fld id="{63A1C593-65D0-4073-BCC9-577B9352EA97}" type="datetimeFigureOut">
               <a:rPr lang="en-US" smtClean="0"/>
-              <a:t>5/5/2023</a:t>
+              <a:t>5/10/2023</a:t>
             </a:fld>
             <a:endParaRPr lang="en-US"/>
           </a:p>
@@ -1811,7 +1811,7 @@
           <a:p>
             <a:fld id="{63A1C593-65D0-4073-BCC9-577B9352EA97}" type="datetimeFigureOut">
               <a:rPr lang="en-US" smtClean="0"/>
-              <a:t>5/5/2023</a:t>
+              <a:t>5/10/2023</a:t>
             </a:fld>
             <a:endParaRPr lang="en-US"/>
           </a:p>
@@ -2086,7 +2086,7 @@
           <a:p>
             <a:fld id="{63A1C593-65D0-4073-BCC9-577B9352EA97}" type="datetimeFigureOut">
               <a:rPr lang="en-US" smtClean="0"/>
-              <a:t>5/5/2023</a:t>
+              <a:t>5/10/2023</a:t>
             </a:fld>
             <a:endParaRPr lang="en-US"/>
           </a:p>
@@ -2338,7 +2338,7 @@
           <a:p>
             <a:fld id="{63A1C593-65D0-4073-BCC9-577B9352EA97}" type="datetimeFigureOut">
               <a:rPr lang="en-US" smtClean="0"/>
-              <a:t>5/5/2023</a:t>
+              <a:t>5/10/2023</a:t>
             </a:fld>
             <a:endParaRPr lang="en-US"/>
           </a:p>
@@ -2549,7 +2549,7 @@
           <a:p>
             <a:fld id="{63A1C593-65D0-4073-BCC9-577B9352EA97}" type="datetimeFigureOut">
               <a:rPr lang="en-US" smtClean="0"/>
-              <a:t>5/5/2023</a:t>
+              <a:t>5/10/2023</a:t>
             </a:fld>
             <a:endParaRPr lang="en-US"/>
           </a:p>
@@ -5728,15 +5728,23 @@
             </a:r>
             <a:r>
               <a:rPr lang="en-US" dirty="0"/>
-              <a:t>__(self, </a:t>
+              <a:t>__(self, cube, </a:t>
             </a:r>
             <a:r>
               <a:rPr lang="en-US" dirty="0" err="1"/>
-              <a:t>data_dict</a:t>
+              <a:t>Fcnm</a:t>
             </a:r>
             <a:r>
               <a:rPr lang="en-US" dirty="0"/>
               <a:t>, </a:t>
+            </a:r>
+            <a:r>
+              <a:rPr lang="en-US" dirty="0" err="1"/>
+              <a:t>Rhi</a:t>
+            </a:r>
+            <a:r>
+              <a:rPr lang="en-US" dirty="0"/>
+              <a:t> , </a:t>
             </a:r>
             <a:r>
               <a:rPr lang="en-US" dirty="0" err="1"/>
@@ -5814,7 +5822,7 @@
         <p:spPr>
           <a:xfrm>
             <a:off x="4214256" y="2790977"/>
-            <a:ext cx="1711137" cy="2308324"/>
+            <a:ext cx="1711137" cy="1477328"/>
           </a:xfrm>
           <a:prstGeom prst="rect">
             <a:avLst/>
@@ -5829,7 +5837,23 @@
           <a:p>
             <a:r>
               <a:rPr lang="en-US" dirty="0"/>
-              <a:t>Dictionary that contains ground truth values. The structure of the dictionary  can be seen in the above section. </a:t>
+              <a:t>Data cube and corresponding ground truth </a:t>
+            </a:r>
+            <a:r>
+              <a:rPr lang="en-US" dirty="0" err="1"/>
+              <a:t>Fcnm</a:t>
+            </a:r>
+            <a:r>
+              <a:rPr lang="en-US" dirty="0"/>
+              <a:t> and </a:t>
+            </a:r>
+            <a:r>
+              <a:rPr lang="en-US" dirty="0" err="1"/>
+              <a:t>Rhi</a:t>
+            </a:r>
+            <a:r>
+              <a:rPr lang="en-US" dirty="0"/>
+              <a:t> map.  </a:t>
             </a:r>
             <a:endParaRPr lang="en-AG" dirty="0"/>
           </a:p>
@@ -5846,13 +5870,14 @@
           </p:cNvPr>
           <p:cNvCxnSpPr>
             <a:cxnSpLocks/>
+            <a:endCxn id="14" idx="0"/>
           </p:cNvCxnSpPr>
           <p:nvPr/>
         </p:nvCxnSpPr>
         <p:spPr>
           <a:xfrm flipH="1">
-            <a:off x="6320958" y="1984840"/>
-            <a:ext cx="198514" cy="802370"/>
+            <a:off x="7113460" y="1901894"/>
+            <a:ext cx="314404" cy="943278"/>
           </a:xfrm>
           <a:prstGeom prst="straightConnector1">
             <a:avLst/>
@@ -5890,7 +5915,7 @@
         </p:nvSpPr>
         <p:spPr>
           <a:xfrm>
-            <a:off x="5828682" y="2794744"/>
+            <a:off x="6320958" y="2845172"/>
             <a:ext cx="1585003" cy="646331"/>
           </a:xfrm>
           <a:prstGeom prst="rect">
@@ -5926,7 +5951,7 @@
         </p:nvSpPr>
         <p:spPr>
           <a:xfrm>
-            <a:off x="7272838" y="2820516"/>
+            <a:off x="7862305" y="2828354"/>
             <a:ext cx="1614425" cy="646331"/>
           </a:xfrm>
           <a:prstGeom prst="rect">
@@ -5959,13 +5984,14 @@
           </p:cNvPr>
           <p:cNvCxnSpPr>
             <a:cxnSpLocks/>
+            <a:endCxn id="16" idx="0"/>
           </p:cNvCxnSpPr>
           <p:nvPr/>
         </p:nvCxnSpPr>
         <p:spPr>
           <a:xfrm>
-            <a:off x="7985039" y="1984840"/>
-            <a:ext cx="0" cy="809904"/>
+            <a:off x="8623214" y="1854420"/>
+            <a:ext cx="46304" cy="973934"/>
           </a:xfrm>
           <a:prstGeom prst="straightConnector1">
             <a:avLst/>
@@ -6003,7 +6029,7 @@
         </p:nvSpPr>
         <p:spPr>
           <a:xfrm>
-            <a:off x="8887263" y="2808188"/>
+            <a:off x="9523545" y="2821632"/>
             <a:ext cx="2173237" cy="646331"/>
           </a:xfrm>
           <a:prstGeom prst="rect">
@@ -6049,7 +6075,7 @@
         </p:nvCxnSpPr>
         <p:spPr>
           <a:xfrm>
-            <a:off x="9096459" y="1854420"/>
+            <a:off x="9832614" y="1854420"/>
             <a:ext cx="777550" cy="990752"/>
           </a:xfrm>
           <a:prstGeom prst="straightConnector1">
@@ -6132,6 +6158,42 @@
           </a:p>
         </p:txBody>
       </p:sp>
+      <p:cxnSp>
+        <p:nvCxnSpPr>
+          <p:cNvPr id="3" name="Straight Connector 2">
+            <a:extLst>
+              <a:ext uri="{FF2B5EF4-FFF2-40B4-BE49-F238E27FC236}">
+                <a16:creationId xmlns:a16="http://schemas.microsoft.com/office/drawing/2014/main" id="{AA8A9CBE-DCFA-E862-FB46-56859CFE9E55}"/>
+              </a:ext>
+            </a:extLst>
+          </p:cNvPr>
+          <p:cNvCxnSpPr/>
+          <p:nvPr/>
+        </p:nvCxnSpPr>
+        <p:spPr>
+          <a:xfrm>
+            <a:off x="5172075" y="1912382"/>
+            <a:ext cx="1438275" cy="0"/>
+          </a:xfrm>
+          <a:prstGeom prst="line">
+            <a:avLst/>
+          </a:prstGeom>
+        </p:spPr>
+        <p:style>
+          <a:lnRef idx="3">
+            <a:schemeClr val="dk1"/>
+          </a:lnRef>
+          <a:fillRef idx="0">
+            <a:schemeClr val="dk1"/>
+          </a:fillRef>
+          <a:effectRef idx="2">
+            <a:schemeClr val="dk1"/>
+          </a:effectRef>
+          <a:fontRef idx="minor">
+            <a:schemeClr val="tx1"/>
+          </a:fontRef>
+        </p:style>
+      </p:cxnSp>
     </p:spTree>
     <p:extLst>
       <p:ext uri="{BB962C8B-B14F-4D97-AF65-F5344CB8AC3E}">
